--- a/Sentimentanalyse mit Vader.pptx
+++ b/Sentimentanalyse mit Vader.pptx
@@ -4,6 +4,9 @@
   <p:sldMasterIdLst>
     <p:sldMasterId id="2147483648" r:id="rId1"/>
   </p:sldMasterIdLst>
+  <p:notesMasterIdLst>
+    <p:notesMasterId r:id="rId16"/>
+  </p:notesMasterIdLst>
   <p:sldIdLst>
     <p:sldId id="256" r:id="rId2"/>
     <p:sldId id="258" r:id="rId3"/>
@@ -14,7 +17,11 @@
     <p:sldId id="263" r:id="rId8"/>
     <p:sldId id="264" r:id="rId9"/>
     <p:sldId id="265" r:id="rId10"/>
-    <p:sldId id="266" r:id="rId11"/>
+    <p:sldId id="267" r:id="rId11"/>
+    <p:sldId id="268" r:id="rId12"/>
+    <p:sldId id="269" r:id="rId13"/>
+    <p:sldId id="266" r:id="rId14"/>
+    <p:sldId id="270" r:id="rId15"/>
   </p:sldIdLst>
   <p:sldSz cx="9144000" cy="6858000" type="screen4x3"/>
   <p:notesSz cx="6858000" cy="9144000"/>
@@ -114,6 +121,438 @@
     </a:lvl9pPr>
   </p:defaultTextStyle>
 </p:presentation>
+</file>
+
+<file path=ppt/notesMasters/notesMaster1.xml><?xml version="1.0" encoding="utf-8"?>
+<p:notesMaster xmlns:a="http://schemas.openxmlformats.org/drawingml/2006/main" xmlns:r="http://schemas.openxmlformats.org/officeDocument/2006/relationships" xmlns:p="http://schemas.openxmlformats.org/presentationml/2006/main">
+  <p:cSld>
+    <p:bg>
+      <p:bgRef idx="1001">
+        <a:schemeClr val="bg1"/>
+      </p:bgRef>
+    </p:bg>
+    <p:spTree>
+      <p:nvGrpSpPr>
+        <p:cNvPr id="1" name=""/>
+        <p:cNvGrpSpPr/>
+        <p:nvPr/>
+      </p:nvGrpSpPr>
+      <p:grpSpPr>
+        <a:xfrm>
+          <a:off x="0" y="0"/>
+          <a:ext cx="0" cy="0"/>
+          <a:chOff x="0" y="0"/>
+          <a:chExt cx="0" cy="0"/>
+        </a:xfrm>
+      </p:grpSpPr>
+      <p:sp>
+        <p:nvSpPr>
+          <p:cNvPr id="2" name="Kopfzeilenplatzhalter 1"/>
+          <p:cNvSpPr>
+            <a:spLocks noGrp="1"/>
+          </p:cNvSpPr>
+          <p:nvPr>
+            <p:ph type="hdr" sz="quarter"/>
+          </p:nvPr>
+        </p:nvSpPr>
+        <p:spPr>
+          <a:xfrm>
+            <a:off x="0" y="0"/>
+            <a:ext cx="2971800" cy="457200"/>
+          </a:xfrm>
+          <a:prstGeom prst="rect">
+            <a:avLst/>
+          </a:prstGeom>
+        </p:spPr>
+        <p:txBody>
+          <a:bodyPr vert="horz" lIns="91440" tIns="45720" rIns="91440" bIns="45720" rtlCol="0"/>
+          <a:lstStyle>
+            <a:lvl1pPr algn="l">
+              <a:defRPr sz="1200"/>
+            </a:lvl1pPr>
+          </a:lstStyle>
+          <a:p>
+            <a:endParaRPr lang="de-DE"/>
+          </a:p>
+        </p:txBody>
+      </p:sp>
+      <p:sp>
+        <p:nvSpPr>
+          <p:cNvPr id="3" name="Datumsplatzhalter 2"/>
+          <p:cNvSpPr>
+            <a:spLocks noGrp="1"/>
+          </p:cNvSpPr>
+          <p:nvPr>
+            <p:ph type="dt" idx="1"/>
+          </p:nvPr>
+        </p:nvSpPr>
+        <p:spPr>
+          <a:xfrm>
+            <a:off x="3884613" y="0"/>
+            <a:ext cx="2971800" cy="457200"/>
+          </a:xfrm>
+          <a:prstGeom prst="rect">
+            <a:avLst/>
+          </a:prstGeom>
+        </p:spPr>
+        <p:txBody>
+          <a:bodyPr vert="horz" lIns="91440" tIns="45720" rIns="91440" bIns="45720" rtlCol="0"/>
+          <a:lstStyle>
+            <a:lvl1pPr algn="r">
+              <a:defRPr sz="1200"/>
+            </a:lvl1pPr>
+          </a:lstStyle>
+          <a:p>
+            <a:fld id="{5716D4E3-C7EF-47C8-B683-D194A68FAD92}" type="datetimeFigureOut">
+              <a:rPr lang="de-DE" smtClean="0"/>
+              <a:t>07.02.2021</a:t>
+            </a:fld>
+            <a:endParaRPr lang="de-DE"/>
+          </a:p>
+        </p:txBody>
+      </p:sp>
+      <p:sp>
+        <p:nvSpPr>
+          <p:cNvPr id="4" name="Folienbildplatzhalter 3"/>
+          <p:cNvSpPr>
+            <a:spLocks noGrp="1" noRot="1" noChangeAspect="1"/>
+          </p:cNvSpPr>
+          <p:nvPr>
+            <p:ph type="sldImg" idx="2"/>
+          </p:nvPr>
+        </p:nvSpPr>
+        <p:spPr>
+          <a:xfrm>
+            <a:off x="1143000" y="685800"/>
+            <a:ext cx="4572000" cy="3429000"/>
+          </a:xfrm>
+          <a:prstGeom prst="rect">
+            <a:avLst/>
+          </a:prstGeom>
+          <a:noFill/>
+          <a:ln w="12700">
+            <a:solidFill>
+              <a:prstClr val="black"/>
+            </a:solidFill>
+          </a:ln>
+        </p:spPr>
+        <p:txBody>
+          <a:bodyPr vert="horz" lIns="91440" tIns="45720" rIns="91440" bIns="45720" rtlCol="0" anchor="ctr"/>
+          <a:lstStyle/>
+          <a:p>
+            <a:endParaRPr lang="de-DE"/>
+          </a:p>
+        </p:txBody>
+      </p:sp>
+      <p:sp>
+        <p:nvSpPr>
+          <p:cNvPr id="5" name="Notizenplatzhalter 4"/>
+          <p:cNvSpPr>
+            <a:spLocks noGrp="1"/>
+          </p:cNvSpPr>
+          <p:nvPr>
+            <p:ph type="body" sz="quarter" idx="3"/>
+          </p:nvPr>
+        </p:nvSpPr>
+        <p:spPr>
+          <a:xfrm>
+            <a:off x="685800" y="4343400"/>
+            <a:ext cx="5486400" cy="4114800"/>
+          </a:xfrm>
+          <a:prstGeom prst="rect">
+            <a:avLst/>
+          </a:prstGeom>
+        </p:spPr>
+        <p:txBody>
+          <a:bodyPr vert="horz" lIns="91440" tIns="45720" rIns="91440" bIns="45720" rtlCol="0">
+            <a:normAutofit/>
+          </a:bodyPr>
+          <a:lstStyle/>
+          <a:p>
+            <a:pPr lvl="0"/>
+            <a:r>
+              <a:rPr lang="de-DE" smtClean="0"/>
+              <a:t>Textmasterformate durch Klicken bearbeiten</a:t>
+            </a:r>
+          </a:p>
+          <a:p>
+            <a:pPr lvl="1"/>
+            <a:r>
+              <a:rPr lang="de-DE" smtClean="0"/>
+              <a:t>Zweite Ebene</a:t>
+            </a:r>
+          </a:p>
+          <a:p>
+            <a:pPr lvl="2"/>
+            <a:r>
+              <a:rPr lang="de-DE" smtClean="0"/>
+              <a:t>Dritte Ebene</a:t>
+            </a:r>
+          </a:p>
+          <a:p>
+            <a:pPr lvl="3"/>
+            <a:r>
+              <a:rPr lang="de-DE" smtClean="0"/>
+              <a:t>Vierte Ebene</a:t>
+            </a:r>
+          </a:p>
+          <a:p>
+            <a:pPr lvl="4"/>
+            <a:r>
+              <a:rPr lang="de-DE" smtClean="0"/>
+              <a:t>Fünfte Ebene</a:t>
+            </a:r>
+            <a:endParaRPr lang="de-DE"/>
+          </a:p>
+        </p:txBody>
+      </p:sp>
+      <p:sp>
+        <p:nvSpPr>
+          <p:cNvPr id="6" name="Fußzeilenplatzhalter 5"/>
+          <p:cNvSpPr>
+            <a:spLocks noGrp="1"/>
+          </p:cNvSpPr>
+          <p:nvPr>
+            <p:ph type="ftr" sz="quarter" idx="4"/>
+          </p:nvPr>
+        </p:nvSpPr>
+        <p:spPr>
+          <a:xfrm>
+            <a:off x="0" y="8685213"/>
+            <a:ext cx="2971800" cy="457200"/>
+          </a:xfrm>
+          <a:prstGeom prst="rect">
+            <a:avLst/>
+          </a:prstGeom>
+        </p:spPr>
+        <p:txBody>
+          <a:bodyPr vert="horz" lIns="91440" tIns="45720" rIns="91440" bIns="45720" rtlCol="0" anchor="b"/>
+          <a:lstStyle>
+            <a:lvl1pPr algn="l">
+              <a:defRPr sz="1200"/>
+            </a:lvl1pPr>
+          </a:lstStyle>
+          <a:p>
+            <a:endParaRPr lang="de-DE"/>
+          </a:p>
+        </p:txBody>
+      </p:sp>
+      <p:sp>
+        <p:nvSpPr>
+          <p:cNvPr id="7" name="Foliennummernplatzhalter 6"/>
+          <p:cNvSpPr>
+            <a:spLocks noGrp="1"/>
+          </p:cNvSpPr>
+          <p:nvPr>
+            <p:ph type="sldNum" sz="quarter" idx="5"/>
+          </p:nvPr>
+        </p:nvSpPr>
+        <p:spPr>
+          <a:xfrm>
+            <a:off x="3884613" y="8685213"/>
+            <a:ext cx="2971800" cy="457200"/>
+          </a:xfrm>
+          <a:prstGeom prst="rect">
+            <a:avLst/>
+          </a:prstGeom>
+        </p:spPr>
+        <p:txBody>
+          <a:bodyPr vert="horz" lIns="91440" tIns="45720" rIns="91440" bIns="45720" rtlCol="0" anchor="b"/>
+          <a:lstStyle>
+            <a:lvl1pPr algn="r">
+              <a:defRPr sz="1200"/>
+            </a:lvl1pPr>
+          </a:lstStyle>
+          <a:p>
+            <a:fld id="{9E61EB1D-33CE-4DD7-895A-65DAB7B4566C}" type="slidenum">
+              <a:rPr lang="de-DE" smtClean="0"/>
+              <a:t>‹Nr.›</a:t>
+            </a:fld>
+            <a:endParaRPr lang="de-DE"/>
+          </a:p>
+        </p:txBody>
+      </p:sp>
+    </p:spTree>
+  </p:cSld>
+  <p:clrMap bg1="lt1" tx1="dk1" bg2="lt2" tx2="dk2" accent1="accent1" accent2="accent2" accent3="accent3" accent4="accent4" accent5="accent5" accent6="accent6" hlink="hlink" folHlink="folHlink"/>
+  <p:notesStyle>
+    <a:lvl1pPr marL="0" algn="l" defTabSz="914400" rtl="0" eaLnBrk="1" latinLnBrk="0" hangingPunct="1">
+      <a:defRPr sz="1200" kern="1200">
+        <a:solidFill>
+          <a:schemeClr val="tx1"/>
+        </a:solidFill>
+        <a:latin typeface="+mn-lt"/>
+        <a:ea typeface="+mn-ea"/>
+        <a:cs typeface="+mn-cs"/>
+      </a:defRPr>
+    </a:lvl1pPr>
+    <a:lvl2pPr marL="457200" algn="l" defTabSz="914400" rtl="0" eaLnBrk="1" latinLnBrk="0" hangingPunct="1">
+      <a:defRPr sz="1200" kern="1200">
+        <a:solidFill>
+          <a:schemeClr val="tx1"/>
+        </a:solidFill>
+        <a:latin typeface="+mn-lt"/>
+        <a:ea typeface="+mn-ea"/>
+        <a:cs typeface="+mn-cs"/>
+      </a:defRPr>
+    </a:lvl2pPr>
+    <a:lvl3pPr marL="914400" algn="l" defTabSz="914400" rtl="0" eaLnBrk="1" latinLnBrk="0" hangingPunct="1">
+      <a:defRPr sz="1200" kern="1200">
+        <a:solidFill>
+          <a:schemeClr val="tx1"/>
+        </a:solidFill>
+        <a:latin typeface="+mn-lt"/>
+        <a:ea typeface="+mn-ea"/>
+        <a:cs typeface="+mn-cs"/>
+      </a:defRPr>
+    </a:lvl3pPr>
+    <a:lvl4pPr marL="1371600" algn="l" defTabSz="914400" rtl="0" eaLnBrk="1" latinLnBrk="0" hangingPunct="1">
+      <a:defRPr sz="1200" kern="1200">
+        <a:solidFill>
+          <a:schemeClr val="tx1"/>
+        </a:solidFill>
+        <a:latin typeface="+mn-lt"/>
+        <a:ea typeface="+mn-ea"/>
+        <a:cs typeface="+mn-cs"/>
+      </a:defRPr>
+    </a:lvl4pPr>
+    <a:lvl5pPr marL="1828800" algn="l" defTabSz="914400" rtl="0" eaLnBrk="1" latinLnBrk="0" hangingPunct="1">
+      <a:defRPr sz="1200" kern="1200">
+        <a:solidFill>
+          <a:schemeClr val="tx1"/>
+        </a:solidFill>
+        <a:latin typeface="+mn-lt"/>
+        <a:ea typeface="+mn-ea"/>
+        <a:cs typeface="+mn-cs"/>
+      </a:defRPr>
+    </a:lvl5pPr>
+    <a:lvl6pPr marL="2286000" algn="l" defTabSz="914400" rtl="0" eaLnBrk="1" latinLnBrk="0" hangingPunct="1">
+      <a:defRPr sz="1200" kern="1200">
+        <a:solidFill>
+          <a:schemeClr val="tx1"/>
+        </a:solidFill>
+        <a:latin typeface="+mn-lt"/>
+        <a:ea typeface="+mn-ea"/>
+        <a:cs typeface="+mn-cs"/>
+      </a:defRPr>
+    </a:lvl6pPr>
+    <a:lvl7pPr marL="2743200" algn="l" defTabSz="914400" rtl="0" eaLnBrk="1" latinLnBrk="0" hangingPunct="1">
+      <a:defRPr sz="1200" kern="1200">
+        <a:solidFill>
+          <a:schemeClr val="tx1"/>
+        </a:solidFill>
+        <a:latin typeface="+mn-lt"/>
+        <a:ea typeface="+mn-ea"/>
+        <a:cs typeface="+mn-cs"/>
+      </a:defRPr>
+    </a:lvl7pPr>
+    <a:lvl8pPr marL="3200400" algn="l" defTabSz="914400" rtl="0" eaLnBrk="1" latinLnBrk="0" hangingPunct="1">
+      <a:defRPr sz="1200" kern="1200">
+        <a:solidFill>
+          <a:schemeClr val="tx1"/>
+        </a:solidFill>
+        <a:latin typeface="+mn-lt"/>
+        <a:ea typeface="+mn-ea"/>
+        <a:cs typeface="+mn-cs"/>
+      </a:defRPr>
+    </a:lvl8pPr>
+    <a:lvl9pPr marL="3657600" algn="l" defTabSz="914400" rtl="0" eaLnBrk="1" latinLnBrk="0" hangingPunct="1">
+      <a:defRPr sz="1200" kern="1200">
+        <a:solidFill>
+          <a:schemeClr val="tx1"/>
+        </a:solidFill>
+        <a:latin typeface="+mn-lt"/>
+        <a:ea typeface="+mn-ea"/>
+        <a:cs typeface="+mn-cs"/>
+      </a:defRPr>
+    </a:lvl9pPr>
+  </p:notesStyle>
+</p:notesMaster>
+</file>
+
+<file path=ppt/notesSlides/notesSlide1.xml><?xml version="1.0" encoding="utf-8"?>
+<p:notes xmlns:a="http://schemas.openxmlformats.org/drawingml/2006/main" xmlns:r="http://schemas.openxmlformats.org/officeDocument/2006/relationships" xmlns:p="http://schemas.openxmlformats.org/presentationml/2006/main">
+  <p:cSld>
+    <p:spTree>
+      <p:nvGrpSpPr>
+        <p:cNvPr id="1" name=""/>
+        <p:cNvGrpSpPr/>
+        <p:nvPr/>
+      </p:nvGrpSpPr>
+      <p:grpSpPr>
+        <a:xfrm>
+          <a:off x="0" y="0"/>
+          <a:ext cx="0" cy="0"/>
+          <a:chOff x="0" y="0"/>
+          <a:chExt cx="0" cy="0"/>
+        </a:xfrm>
+      </p:grpSpPr>
+      <p:sp>
+        <p:nvSpPr>
+          <p:cNvPr id="2" name="Folienbildplatzhalter 1"/>
+          <p:cNvSpPr>
+            <a:spLocks noGrp="1" noRot="1" noChangeAspect="1"/>
+          </p:cNvSpPr>
+          <p:nvPr>
+            <p:ph type="sldImg"/>
+          </p:nvPr>
+        </p:nvSpPr>
+        <p:spPr/>
+      </p:sp>
+      <p:sp>
+        <p:nvSpPr>
+          <p:cNvPr id="3" name="Notizenplatzhalter 2"/>
+          <p:cNvSpPr>
+            <a:spLocks noGrp="1"/>
+          </p:cNvSpPr>
+          <p:nvPr>
+            <p:ph type="body" idx="1"/>
+          </p:nvPr>
+        </p:nvSpPr>
+        <p:spPr/>
+        <p:txBody>
+          <a:bodyPr>
+            <a:normAutofit/>
+          </a:bodyPr>
+          <a:lstStyle/>
+          <a:p>
+            <a:r>
+              <a:rPr lang="de-DE" dirty="0" smtClean="0"/>
+              <a:t>https://intellica-ai.medium.com/vader-ibm-watson-or-textblob-which-is-better-for-unsupervised-sentiment-analysis-db4143a39445</a:t>
+            </a:r>
+            <a:endParaRPr lang="de-DE" dirty="0"/>
+          </a:p>
+        </p:txBody>
+      </p:sp>
+      <p:sp>
+        <p:nvSpPr>
+          <p:cNvPr id="4" name="Foliennummernplatzhalter 3"/>
+          <p:cNvSpPr>
+            <a:spLocks noGrp="1"/>
+          </p:cNvSpPr>
+          <p:nvPr>
+            <p:ph type="sldNum" sz="quarter" idx="10"/>
+          </p:nvPr>
+        </p:nvSpPr>
+        <p:spPr/>
+        <p:txBody>
+          <a:bodyPr/>
+          <a:lstStyle/>
+          <a:p>
+            <a:fld id="{9E61EB1D-33CE-4DD7-895A-65DAB7B4566C}" type="slidenum">
+              <a:rPr lang="de-DE" smtClean="0"/>
+              <a:t>14</a:t>
+            </a:fld>
+            <a:endParaRPr lang="de-DE"/>
+          </a:p>
+        </p:txBody>
+      </p:sp>
+    </p:spTree>
+  </p:cSld>
+  <p:clrMapOvr>
+    <a:masterClrMapping/>
+  </p:clrMapOvr>
+</p:notes>
 </file>
 
 <file path=ppt/slideLayouts/slideLayout1.xml><?xml version="1.0" encoding="utf-8"?>
@@ -3115,6 +3554,13 @@
   <p:clrMapOvr>
     <a:masterClrMapping/>
   </p:clrMapOvr>
+  <p:timing>
+    <p:tnLst>
+      <p:par>
+        <p:cTn id="1" dur="indefinite" restart="never" nodeType="tmRoot"/>
+      </p:par>
+    </p:tnLst>
+  </p:timing>
 </p:sld>
 </file>
 
@@ -3151,85 +3597,450 @@
           <a:lstStyle/>
           <a:p>
             <a:r>
-              <a:rPr lang="de-DE" dirty="0" err="1" smtClean="0"/>
-              <a:t>Heatmap</a:t>
+              <a:rPr lang="de-DE" dirty="0" smtClean="0"/>
+              <a:t>Sentiment der #</a:t>
             </a:r>
             <a:endParaRPr lang="de-DE" dirty="0"/>
           </a:p>
         </p:txBody>
       </p:sp>
-      <p:sp>
-        <p:nvSpPr>
-          <p:cNvPr id="3" name="Inhaltsplatzhalter 2"/>
-          <p:cNvSpPr>
-            <a:spLocks noGrp="1"/>
-          </p:cNvSpPr>
+      <p:pic>
+        <p:nvPicPr>
+          <p:cNvPr id="4" name="Inhaltsplatzhalter 3" descr="HashtagAverage.png"/>
+          <p:cNvPicPr>
+            <a:picLocks noGrp="1" noChangeAspect="1"/>
+          </p:cNvPicPr>
           <p:nvPr>
             <p:ph idx="1"/>
           </p:nvPr>
-        </p:nvSpPr>
-        <p:spPr/>
-        <p:txBody>
-          <a:bodyPr/>
-          <a:lstStyle/>
-          <a:p>
-            <a:r>
-              <a:rPr lang="de-DE" dirty="0" smtClean="0"/>
-              <a:t>Jeder </a:t>
-            </a:r>
-            <a:r>
-              <a:rPr lang="de-DE" dirty="0" err="1" smtClean="0"/>
-              <a:t>Tweet</a:t>
-            </a:r>
-            <a:r>
-              <a:rPr lang="de-DE" dirty="0" smtClean="0"/>
-              <a:t> wurde für jeden # gewertet, kann also sowohl beispielsweise bei #</a:t>
-            </a:r>
-            <a:r>
-              <a:rPr lang="de-DE" dirty="0" err="1" smtClean="0"/>
-              <a:t>CapitolRiot</a:t>
-            </a:r>
-            <a:r>
-              <a:rPr lang="de-DE" dirty="0" smtClean="0"/>
-              <a:t> und #</a:t>
-            </a:r>
-            <a:r>
-              <a:rPr lang="de-DE" dirty="0" err="1" smtClean="0"/>
-              <a:t>Couptattempt</a:t>
-            </a:r>
-            <a:r>
-              <a:rPr lang="de-DE" smtClean="0"/>
-              <a:t> auftauchen</a:t>
-            </a:r>
-            <a:r>
-              <a:rPr lang="de-DE" dirty="0" smtClean="0"/>
-              <a:t>, da </a:t>
-            </a:r>
-            <a:r>
-              <a:rPr lang="de-DE" dirty="0" err="1" smtClean="0"/>
-              <a:t>Twitter</a:t>
-            </a:r>
-            <a:r>
-              <a:rPr lang="de-DE" dirty="0" smtClean="0"/>
-              <a:t> mehrere #´s pro </a:t>
-            </a:r>
-            <a:r>
-              <a:rPr lang="de-DE" dirty="0" err="1" smtClean="0"/>
-              <a:t>Tweet</a:t>
-            </a:r>
-            <a:r>
-              <a:rPr lang="de-DE" dirty="0" smtClean="0"/>
-              <a:t> zulässt</a:t>
-            </a:r>
-            <a:endParaRPr lang="de-DE" dirty="0"/>
-          </a:p>
-        </p:txBody>
-      </p:sp>
+        </p:nvPicPr>
+        <p:blipFill>
+          <a:blip r:embed="rId2" cstate="print"/>
+          <a:stretch>
+            <a:fillRect/>
+          </a:stretch>
+        </p:blipFill>
+        <p:spPr>
+          <a:xfrm>
+            <a:off x="0" y="1600200"/>
+            <a:ext cx="9144000" cy="5257800"/>
+          </a:xfrm>
+        </p:spPr>
+      </p:pic>
     </p:spTree>
   </p:cSld>
   <p:clrMapOvr>
     <a:masterClrMapping/>
   </p:clrMapOvr>
+  <p:timing>
+    <p:tnLst>
+      <p:par>
+        <p:cTn id="1" dur="indefinite" restart="never" nodeType="tmRoot"/>
+      </p:par>
+    </p:tnLst>
+  </p:timing>
+</p:sld>
+</file>
+
+<file path=ppt/slides/slide11.xml><?xml version="1.0" encoding="utf-8"?>
+<p:sld xmlns:a="http://schemas.openxmlformats.org/drawingml/2006/main" xmlns:r="http://schemas.openxmlformats.org/officeDocument/2006/relationships" xmlns:p="http://schemas.openxmlformats.org/presentationml/2006/main">
+  <p:cSld>
+    <p:spTree>
+      <p:nvGrpSpPr>
+        <p:cNvPr id="1" name=""/>
+        <p:cNvGrpSpPr/>
+        <p:nvPr/>
+      </p:nvGrpSpPr>
+      <p:grpSpPr>
+        <a:xfrm>
+          <a:off x="0" y="0"/>
+          <a:ext cx="0" cy="0"/>
+          <a:chOff x="0" y="0"/>
+          <a:chExt cx="0" cy="0"/>
+        </a:xfrm>
+      </p:grpSpPr>
+      <p:sp>
+        <p:nvSpPr>
+          <p:cNvPr id="2" name="Titel 1"/>
+          <p:cNvSpPr>
+            <a:spLocks noGrp="1"/>
+          </p:cNvSpPr>
+          <p:nvPr>
+            <p:ph type="title"/>
+          </p:nvPr>
+        </p:nvSpPr>
+        <p:spPr/>
+        <p:txBody>
+          <a:bodyPr/>
+          <a:lstStyle/>
+          <a:p>
+            <a:r>
+              <a:rPr lang="de-DE" dirty="0" err="1" smtClean="0"/>
+              <a:t>Average</a:t>
+            </a:r>
+            <a:r>
+              <a:rPr lang="de-DE" dirty="0" smtClean="0"/>
+              <a:t> Sentiment</a:t>
+            </a:r>
+            <a:endParaRPr lang="de-DE" dirty="0"/>
+          </a:p>
+        </p:txBody>
+      </p:sp>
+      <p:pic>
+        <p:nvPicPr>
+          <p:cNvPr id="4" name="Inhaltsplatzhalter 3" descr="AverageSentiment.png"/>
+          <p:cNvPicPr>
+            <a:picLocks noGrp="1" noChangeAspect="1"/>
+          </p:cNvPicPr>
+          <p:nvPr>
+            <p:ph idx="1"/>
+          </p:nvPr>
+        </p:nvPicPr>
+        <p:blipFill>
+          <a:blip r:embed="rId2" cstate="print"/>
+          <a:stretch>
+            <a:fillRect/>
+          </a:stretch>
+        </p:blipFill>
+        <p:spPr>
+          <a:xfrm>
+            <a:off x="4741" y="1600200"/>
+            <a:ext cx="9139259" cy="5257800"/>
+          </a:xfrm>
+        </p:spPr>
+      </p:pic>
+    </p:spTree>
+  </p:cSld>
+  <p:clrMapOvr>
+    <a:masterClrMapping/>
+  </p:clrMapOvr>
+  <p:timing>
+    <p:tnLst>
+      <p:par>
+        <p:cTn id="1" dur="indefinite" restart="never" nodeType="tmRoot"/>
+      </p:par>
+    </p:tnLst>
+  </p:timing>
+</p:sld>
+</file>
+
+<file path=ppt/slides/slide12.xml><?xml version="1.0" encoding="utf-8"?>
+<p:sld xmlns:a="http://schemas.openxmlformats.org/drawingml/2006/main" xmlns:r="http://schemas.openxmlformats.org/officeDocument/2006/relationships" xmlns:p="http://schemas.openxmlformats.org/presentationml/2006/main">
+  <p:cSld>
+    <p:spTree>
+      <p:nvGrpSpPr>
+        <p:cNvPr id="1" name=""/>
+        <p:cNvGrpSpPr/>
+        <p:nvPr/>
+      </p:nvGrpSpPr>
+      <p:grpSpPr>
+        <a:xfrm>
+          <a:off x="0" y="0"/>
+          <a:ext cx="0" cy="0"/>
+          <a:chOff x="0" y="0"/>
+          <a:chExt cx="0" cy="0"/>
+        </a:xfrm>
+      </p:grpSpPr>
+      <p:sp>
+        <p:nvSpPr>
+          <p:cNvPr id="2" name="Titel 1"/>
+          <p:cNvSpPr>
+            <a:spLocks noGrp="1"/>
+          </p:cNvSpPr>
+          <p:nvPr>
+            <p:ph type="title"/>
+          </p:nvPr>
+        </p:nvSpPr>
+        <p:spPr/>
+        <p:txBody>
+          <a:bodyPr/>
+          <a:lstStyle/>
+          <a:p>
+            <a:r>
+              <a:rPr lang="de-DE" dirty="0" smtClean="0"/>
+              <a:t>Anzahl der verwendeten #´s</a:t>
+            </a:r>
+            <a:endParaRPr lang="de-DE" dirty="0"/>
+          </a:p>
+        </p:txBody>
+      </p:sp>
+      <p:pic>
+        <p:nvPicPr>
+          <p:cNvPr id="4" name="Inhaltsplatzhalter 3" descr="TweetsPerHashtag.png"/>
+          <p:cNvPicPr>
+            <a:picLocks noGrp="1" noChangeAspect="1"/>
+          </p:cNvPicPr>
+          <p:nvPr>
+            <p:ph idx="1"/>
+          </p:nvPr>
+        </p:nvPicPr>
+        <p:blipFill>
+          <a:blip r:embed="rId2" cstate="print"/>
+          <a:stretch>
+            <a:fillRect/>
+          </a:stretch>
+        </p:blipFill>
+        <p:spPr>
+          <a:xfrm>
+            <a:off x="0" y="1628800"/>
+            <a:ext cx="9144000" cy="5229200"/>
+          </a:xfrm>
+        </p:spPr>
+      </p:pic>
+    </p:spTree>
+  </p:cSld>
+  <p:clrMapOvr>
+    <a:masterClrMapping/>
+  </p:clrMapOvr>
+  <p:timing>
+    <p:tnLst>
+      <p:par>
+        <p:cTn id="1" dur="indefinite" restart="never" nodeType="tmRoot"/>
+      </p:par>
+    </p:tnLst>
+  </p:timing>
+</p:sld>
+</file>
+
+<file path=ppt/slides/slide13.xml><?xml version="1.0" encoding="utf-8"?>
+<p:sld xmlns:a="http://schemas.openxmlformats.org/drawingml/2006/main" xmlns:r="http://schemas.openxmlformats.org/officeDocument/2006/relationships" xmlns:p="http://schemas.openxmlformats.org/presentationml/2006/main">
+  <p:cSld>
+    <p:spTree>
+      <p:nvGrpSpPr>
+        <p:cNvPr id="1" name=""/>
+        <p:cNvGrpSpPr/>
+        <p:nvPr/>
+      </p:nvGrpSpPr>
+      <p:grpSpPr>
+        <a:xfrm>
+          <a:off x="0" y="0"/>
+          <a:ext cx="0" cy="0"/>
+          <a:chOff x="0" y="0"/>
+          <a:chExt cx="0" cy="0"/>
+        </a:xfrm>
+      </p:grpSpPr>
+      <p:sp>
+        <p:nvSpPr>
+          <p:cNvPr id="2" name="Titel 1"/>
+          <p:cNvSpPr>
+            <a:spLocks noGrp="1"/>
+          </p:cNvSpPr>
+          <p:nvPr>
+            <p:ph type="title"/>
+          </p:nvPr>
+        </p:nvSpPr>
+        <p:spPr/>
+        <p:txBody>
+          <a:bodyPr/>
+          <a:lstStyle/>
+          <a:p>
+            <a:r>
+              <a:rPr lang="de-DE" dirty="0" err="1" smtClean="0"/>
+              <a:t>Heatmap</a:t>
+            </a:r>
+            <a:endParaRPr lang="de-DE" dirty="0"/>
+          </a:p>
+        </p:txBody>
+      </p:sp>
+      <p:sp>
+        <p:nvSpPr>
+          <p:cNvPr id="3" name="Inhaltsplatzhalter 2"/>
+          <p:cNvSpPr>
+            <a:spLocks noGrp="1"/>
+          </p:cNvSpPr>
+          <p:nvPr>
+            <p:ph idx="1"/>
+          </p:nvPr>
+        </p:nvSpPr>
+        <p:spPr/>
+        <p:txBody>
+          <a:bodyPr/>
+          <a:lstStyle/>
+          <a:p>
+            <a:r>
+              <a:rPr lang="de-DE" dirty="0" smtClean="0"/>
+              <a:t>Jeder </a:t>
+            </a:r>
+            <a:r>
+              <a:rPr lang="de-DE" dirty="0" err="1" smtClean="0"/>
+              <a:t>Tweet</a:t>
+            </a:r>
+            <a:r>
+              <a:rPr lang="de-DE" dirty="0" smtClean="0"/>
+              <a:t> wurde für jeden # gewertet, kann also sowohl beispielsweise bei #</a:t>
+            </a:r>
+            <a:r>
+              <a:rPr lang="de-DE" dirty="0" err="1" smtClean="0"/>
+              <a:t>CapitolRiot</a:t>
+            </a:r>
+            <a:r>
+              <a:rPr lang="de-DE" dirty="0" smtClean="0"/>
+              <a:t> und #</a:t>
+            </a:r>
+            <a:r>
+              <a:rPr lang="de-DE" dirty="0" err="1" smtClean="0"/>
+              <a:t>Couptattempt</a:t>
+            </a:r>
+            <a:r>
+              <a:rPr lang="de-DE" dirty="0" smtClean="0"/>
+              <a:t> auftauchen, da </a:t>
+            </a:r>
+            <a:r>
+              <a:rPr lang="de-DE" dirty="0" err="1" smtClean="0"/>
+              <a:t>Twitter</a:t>
+            </a:r>
+            <a:r>
+              <a:rPr lang="de-DE" dirty="0" smtClean="0"/>
+              <a:t> mehrere #´s pro </a:t>
+            </a:r>
+            <a:r>
+              <a:rPr lang="de-DE" dirty="0" err="1" smtClean="0"/>
+              <a:t>Tweet</a:t>
+            </a:r>
+            <a:r>
+              <a:rPr lang="de-DE" dirty="0" smtClean="0"/>
+              <a:t> zulässt</a:t>
+            </a:r>
+            <a:endParaRPr lang="de-DE" dirty="0"/>
+          </a:p>
+        </p:txBody>
+      </p:sp>
+    </p:spTree>
+  </p:cSld>
+  <p:clrMapOvr>
+    <a:masterClrMapping/>
+  </p:clrMapOvr>
+  <p:timing>
+    <p:tnLst>
+      <p:par>
+        <p:cTn id="1" dur="indefinite" restart="never" nodeType="tmRoot"/>
+      </p:par>
+    </p:tnLst>
+  </p:timing>
+</p:sld>
+</file>
+
+<file path=ppt/slides/slide14.xml><?xml version="1.0" encoding="utf-8"?>
+<p:sld xmlns:a="http://schemas.openxmlformats.org/drawingml/2006/main" xmlns:r="http://schemas.openxmlformats.org/officeDocument/2006/relationships" xmlns:p="http://schemas.openxmlformats.org/presentationml/2006/main">
+  <p:cSld>
+    <p:spTree>
+      <p:nvGrpSpPr>
+        <p:cNvPr id="1" name=""/>
+        <p:cNvGrpSpPr/>
+        <p:nvPr/>
+      </p:nvGrpSpPr>
+      <p:grpSpPr>
+        <a:xfrm>
+          <a:off x="0" y="0"/>
+          <a:ext cx="0" cy="0"/>
+          <a:chOff x="0" y="0"/>
+          <a:chExt cx="0" cy="0"/>
+        </a:xfrm>
+      </p:grpSpPr>
+      <p:sp>
+        <p:nvSpPr>
+          <p:cNvPr id="2" name="Titel 1"/>
+          <p:cNvSpPr>
+            <a:spLocks noGrp="1"/>
+          </p:cNvSpPr>
+          <p:nvPr>
+            <p:ph type="title"/>
+          </p:nvPr>
+        </p:nvSpPr>
+        <p:spPr/>
+        <p:txBody>
+          <a:bodyPr/>
+          <a:lstStyle/>
+          <a:p>
+            <a:r>
+              <a:rPr lang="de-DE" dirty="0" smtClean="0"/>
+              <a:t>Schwächen von </a:t>
+            </a:r>
+            <a:r>
+              <a:rPr lang="de-DE" dirty="0" err="1" smtClean="0"/>
+              <a:t>Vader</a:t>
+            </a:r>
+            <a:endParaRPr lang="de-DE" dirty="0"/>
+          </a:p>
+        </p:txBody>
+      </p:sp>
+      <p:sp>
+        <p:nvSpPr>
+          <p:cNvPr id="3" name="Inhaltsplatzhalter 2"/>
+          <p:cNvSpPr>
+            <a:spLocks noGrp="1"/>
+          </p:cNvSpPr>
+          <p:nvPr>
+            <p:ph idx="1"/>
+          </p:nvPr>
+        </p:nvSpPr>
+        <p:spPr/>
+        <p:txBody>
+          <a:bodyPr/>
+          <a:lstStyle/>
+          <a:p>
+            <a:r>
+              <a:rPr lang="de-DE" dirty="0" smtClean="0"/>
+              <a:t>Im Vergleich mit </a:t>
+            </a:r>
+            <a:r>
+              <a:rPr lang="de-DE" dirty="0" err="1" smtClean="0"/>
+              <a:t>Textblob</a:t>
+            </a:r>
+            <a:r>
+              <a:rPr lang="de-DE" dirty="0" smtClean="0"/>
+              <a:t> und Watson neigt </a:t>
+            </a:r>
+            <a:r>
+              <a:rPr lang="de-DE" dirty="0" err="1" smtClean="0"/>
+              <a:t>Vader</a:t>
+            </a:r>
+            <a:r>
+              <a:rPr lang="de-DE" dirty="0" smtClean="0"/>
+              <a:t> dazu negative Texte nicht so genau zu erkennen wie Watson</a:t>
+            </a:r>
+          </a:p>
+          <a:p>
+            <a:endParaRPr lang="de-DE" dirty="0"/>
+          </a:p>
+        </p:txBody>
+      </p:sp>
+      <p:pic>
+        <p:nvPicPr>
+          <p:cNvPr id="4" name="Grafik 3" descr="1 JPpO_o9NRuAcOlJApToR5g.jpeg"/>
+          <p:cNvPicPr>
+            <a:picLocks noChangeAspect="1"/>
+          </p:cNvPicPr>
+          <p:nvPr/>
+        </p:nvPicPr>
+        <p:blipFill>
+          <a:blip r:embed="rId3" cstate="print"/>
+          <a:stretch>
+            <a:fillRect/>
+          </a:stretch>
+        </p:blipFill>
+        <p:spPr>
+          <a:xfrm>
+            <a:off x="539552" y="3068960"/>
+            <a:ext cx="8064896" cy="3312368"/>
+          </a:xfrm>
+          <a:prstGeom prst="rect">
+            <a:avLst/>
+          </a:prstGeom>
+        </p:spPr>
+      </p:pic>
+    </p:spTree>
+  </p:cSld>
+  <p:clrMapOvr>
+    <a:masterClrMapping/>
+  </p:clrMapOvr>
+  <p:timing>
+    <p:tnLst>
+      <p:par>
+        <p:cTn id="1" dur="indefinite" restart="never" nodeType="tmRoot"/>
+      </p:par>
+    </p:tnLst>
+  </p:timing>
 </p:sld>
 </file>
 
@@ -3394,6 +4205,13 @@
   <p:clrMapOvr>
     <a:masterClrMapping/>
   </p:clrMapOvr>
+  <p:timing>
+    <p:tnLst>
+      <p:par>
+        <p:cTn id="1" dur="indefinite" restart="never" nodeType="tmRoot"/>
+      </p:par>
+    </p:tnLst>
+  </p:timing>
 </p:sld>
 </file>
 
@@ -3738,6 +4556,13 @@
   <p:clrMapOvr>
     <a:masterClrMapping/>
   </p:clrMapOvr>
+  <p:timing>
+    <p:tnLst>
+      <p:par>
+        <p:cTn id="1" dur="indefinite" restart="never" nodeType="tmRoot"/>
+      </p:par>
+    </p:tnLst>
+  </p:timing>
 </p:sld>
 </file>
 
@@ -3809,6 +4634,13 @@
   <p:clrMapOvr>
     <a:masterClrMapping/>
   </p:clrMapOvr>
+  <p:timing>
+    <p:tnLst>
+      <p:par>
+        <p:cTn id="1" dur="indefinite" restart="never" nodeType="tmRoot"/>
+      </p:par>
+    </p:tnLst>
+  </p:timing>
 </p:sld>
 </file>
 
@@ -3903,6 +4735,13 @@
   <p:clrMapOvr>
     <a:masterClrMapping/>
   </p:clrMapOvr>
+  <p:timing>
+    <p:tnLst>
+      <p:par>
+        <p:cTn id="1" dur="indefinite" restart="never" nodeType="tmRoot"/>
+      </p:par>
+    </p:tnLst>
+  </p:timing>
 </p:sld>
 </file>
 
@@ -3997,6 +4836,13 @@
   <p:clrMapOvr>
     <a:masterClrMapping/>
   </p:clrMapOvr>
+  <p:timing>
+    <p:tnLst>
+      <p:par>
+        <p:cTn id="1" dur="indefinite" restart="never" nodeType="tmRoot"/>
+      </p:par>
+    </p:tnLst>
+  </p:timing>
 </p:sld>
 </file>
 
@@ -4065,15 +4911,13 @@
           </a:bodyPr>
           <a:lstStyle/>
           <a:p>
-            <a:r>
-              <a:rPr lang="de-DE" dirty="0" smtClean="0"/>
-              <a:t>Es wurden insgesamt 6#´s vom 6.1.2021 bis zum 21.1.2021 </a:t>
-            </a:r>
-            <a:r>
-              <a:rPr lang="de-DE" dirty="0" err="1" smtClean="0"/>
-              <a:t>verfolt</a:t>
-            </a:r>
-            <a:endParaRPr lang="de-DE" dirty="0" smtClean="0"/>
+            <a:pPr>
+              <a:buNone/>
+            </a:pPr>
+            <a:r>
+              <a:rPr lang="de-DE" dirty="0" smtClean="0"/>
+              <a:t>Es wurden insgesamt 6#´s vom 6.1.2021 bis zum 21.1.2021 verfolgt</a:t>
+            </a:r>
           </a:p>
           <a:p>
             <a:r>
@@ -4156,6 +5000,13 @@
   <p:clrMapOvr>
     <a:masterClrMapping/>
   </p:clrMapOvr>
+  <p:timing>
+    <p:tnLst>
+      <p:par>
+        <p:cTn id="1" dur="indefinite" restart="never" nodeType="tmRoot"/>
+      </p:par>
+    </p:tnLst>
+  </p:timing>
 </p:sld>
 </file>
 
@@ -4280,6 +5131,13 @@
   <p:clrMapOvr>
     <a:masterClrMapping/>
   </p:clrMapOvr>
+  <p:timing>
+    <p:tnLst>
+      <p:par>
+        <p:cTn id="1" dur="indefinite" restart="never" nodeType="tmRoot"/>
+      </p:par>
+    </p:tnLst>
+  </p:timing>
 </p:sld>
 </file>
 
@@ -4388,7 +5246,7 @@
             </a:r>
             <a:r>
               <a:rPr lang="de-DE" dirty="0" smtClean="0"/>
-              <a:t> Verlauf, sondern der Endstand entspricht der letzten Momentaufnahme vom 21.01.2021</a:t>
+              <a:t> Verlauf, sondern der „Endstand“ entspricht der letzten Momentaufnahme vom 21.01.2021</a:t>
             </a:r>
           </a:p>
           <a:p>
@@ -4421,6 +5279,13 @@
   <p:clrMapOvr>
     <a:masterClrMapping/>
   </p:clrMapOvr>
+  <p:timing>
+    <p:tnLst>
+      <p:par>
+        <p:cTn id="1" dur="indefinite" restart="never" nodeType="tmRoot"/>
+      </p:par>
+    </p:tnLst>
+  </p:timing>
 </p:sld>
 </file>
 
@@ -4705,4 +5570,287 @@
   <a:objectDefaults/>
   <a:extraClrSchemeLst/>
 </a:theme>
+</file>
+
+<file path=ppt/theme/theme2.xml><?xml version="1.0" encoding="utf-8"?>
+<a:theme xmlns:a="http://schemas.openxmlformats.org/drawingml/2006/main" name="Larissa-Design">
+  <a:themeElements>
+    <a:clrScheme name="Larissa">
+      <a:dk1>
+        <a:sysClr val="windowText" lastClr="000000"/>
+      </a:dk1>
+      <a:lt1>
+        <a:sysClr val="window" lastClr="FFFFFF"/>
+      </a:lt1>
+      <a:dk2>
+        <a:srgbClr val="1F497D"/>
+      </a:dk2>
+      <a:lt2>
+        <a:srgbClr val="EEECE1"/>
+      </a:lt2>
+      <a:accent1>
+        <a:srgbClr val="4F81BD"/>
+      </a:accent1>
+      <a:accent2>
+        <a:srgbClr val="C0504D"/>
+      </a:accent2>
+      <a:accent3>
+        <a:srgbClr val="9BBB59"/>
+      </a:accent3>
+      <a:accent4>
+        <a:srgbClr val="8064A2"/>
+      </a:accent4>
+      <a:accent5>
+        <a:srgbClr val="4BACC6"/>
+      </a:accent5>
+      <a:accent6>
+        <a:srgbClr val="F79646"/>
+      </a:accent6>
+      <a:hlink>
+        <a:srgbClr val="0000FF"/>
+      </a:hlink>
+      <a:folHlink>
+        <a:srgbClr val="800080"/>
+      </a:folHlink>
+    </a:clrScheme>
+    <a:fontScheme name="Larissa">
+      <a:majorFont>
+        <a:latin typeface="Calibri"/>
+        <a:ea typeface=""/>
+        <a:cs typeface=""/>
+        <a:font script="Jpan" typeface="ＭＳ Ｐゴシック"/>
+        <a:font script="Hang" typeface="맑은 고딕"/>
+        <a:font script="Hans" typeface="宋体"/>
+        <a:font script="Hant" typeface="新細明體"/>
+        <a:font script="Arab" typeface="Times New Roman"/>
+        <a:font script="Hebr" typeface="Times New Roman"/>
+        <a:font script="Thai" typeface="Angsana New"/>
+        <a:font script="Ethi" typeface="Nyala"/>
+        <a:font script="Beng" typeface="Vrinda"/>
+        <a:font script="Gujr" typeface="Shruti"/>
+        <a:font script="Khmr" typeface="MoolBoran"/>
+        <a:font script="Knda" typeface="Tunga"/>
+        <a:font script="Guru" typeface="Raavi"/>
+        <a:font script="Cans" typeface="Euphemia"/>
+        <a:font script="Cher" typeface="Plantagenet Cherokee"/>
+        <a:font script="Yiii" typeface="Microsoft Yi Baiti"/>
+        <a:font script="Tibt" typeface="Microsoft Himalaya"/>
+        <a:font script="Thaa" typeface="MV Boli"/>
+        <a:font script="Deva" typeface="Mangal"/>
+        <a:font script="Telu" typeface="Gautami"/>
+        <a:font script="Taml" typeface="Latha"/>
+        <a:font script="Syrc" typeface="Estrangelo Edessa"/>
+        <a:font script="Orya" typeface="Kalinga"/>
+        <a:font script="Mlym" typeface="Kartika"/>
+        <a:font script="Laoo" typeface="DokChampa"/>
+        <a:font script="Sinh" typeface="Iskoola Pota"/>
+        <a:font script="Mong" typeface="Mongolian Baiti"/>
+        <a:font script="Viet" typeface="Times New Roman"/>
+        <a:font script="Uigh" typeface="Microsoft Uighur"/>
+      </a:majorFont>
+      <a:minorFont>
+        <a:latin typeface="Calibri"/>
+        <a:ea typeface=""/>
+        <a:cs typeface=""/>
+        <a:font script="Jpan" typeface="ＭＳ Ｐゴシック"/>
+        <a:font script="Hang" typeface="맑은 고딕"/>
+        <a:font script="Hans" typeface="宋体"/>
+        <a:font script="Hant" typeface="新細明體"/>
+        <a:font script="Arab" typeface="Arial"/>
+        <a:font script="Hebr" typeface="Arial"/>
+        <a:font script="Thai" typeface="Cordia New"/>
+        <a:font script="Ethi" typeface="Nyala"/>
+        <a:font script="Beng" typeface="Vrinda"/>
+        <a:font script="Gujr" typeface="Shruti"/>
+        <a:font script="Khmr" typeface="DaunPenh"/>
+        <a:font script="Knda" typeface="Tunga"/>
+        <a:font script="Guru" typeface="Raavi"/>
+        <a:font script="Cans" typeface="Euphemia"/>
+        <a:font script="Cher" typeface="Plantagenet Cherokee"/>
+        <a:font script="Yiii" typeface="Microsoft Yi Baiti"/>
+        <a:font script="Tibt" typeface="Microsoft Himalaya"/>
+        <a:font script="Thaa" typeface="MV Boli"/>
+        <a:font script="Deva" typeface="Mangal"/>
+        <a:font script="Telu" typeface="Gautami"/>
+        <a:font script="Taml" typeface="Latha"/>
+        <a:font script="Syrc" typeface="Estrangelo Edessa"/>
+        <a:font script="Orya" typeface="Kalinga"/>
+        <a:font script="Mlym" typeface="Kartika"/>
+        <a:font script="Laoo" typeface="DokChampa"/>
+        <a:font script="Sinh" typeface="Iskoola Pota"/>
+        <a:font script="Mong" typeface="Mongolian Baiti"/>
+        <a:font script="Viet" typeface="Arial"/>
+        <a:font script="Uigh" typeface="Microsoft Uighur"/>
+      </a:minorFont>
+    </a:fontScheme>
+    <a:fmtScheme name="Larissa">
+      <a:fillStyleLst>
+        <a:solidFill>
+          <a:schemeClr val="phClr"/>
+        </a:solidFill>
+        <a:gradFill rotWithShape="1">
+          <a:gsLst>
+            <a:gs pos="0">
+              <a:schemeClr val="phClr">
+                <a:tint val="50000"/>
+                <a:satMod val="300000"/>
+              </a:schemeClr>
+            </a:gs>
+            <a:gs pos="35000">
+              <a:schemeClr val="phClr">
+                <a:tint val="37000"/>
+                <a:satMod val="300000"/>
+              </a:schemeClr>
+            </a:gs>
+            <a:gs pos="100000">
+              <a:schemeClr val="phClr">
+                <a:tint val="15000"/>
+                <a:satMod val="350000"/>
+              </a:schemeClr>
+            </a:gs>
+          </a:gsLst>
+          <a:lin ang="16200000" scaled="1"/>
+        </a:gradFill>
+        <a:gradFill rotWithShape="1">
+          <a:gsLst>
+            <a:gs pos="0">
+              <a:schemeClr val="phClr">
+                <a:shade val="51000"/>
+                <a:satMod val="130000"/>
+              </a:schemeClr>
+            </a:gs>
+            <a:gs pos="80000">
+              <a:schemeClr val="phClr">
+                <a:shade val="93000"/>
+                <a:satMod val="130000"/>
+              </a:schemeClr>
+            </a:gs>
+            <a:gs pos="100000">
+              <a:schemeClr val="phClr">
+                <a:shade val="94000"/>
+                <a:satMod val="135000"/>
+              </a:schemeClr>
+            </a:gs>
+          </a:gsLst>
+          <a:lin ang="16200000" scaled="0"/>
+        </a:gradFill>
+      </a:fillStyleLst>
+      <a:lnStyleLst>
+        <a:ln w="9525" cap="flat" cmpd="sng" algn="ctr">
+          <a:solidFill>
+            <a:schemeClr val="phClr">
+              <a:shade val="95000"/>
+              <a:satMod val="105000"/>
+            </a:schemeClr>
+          </a:solidFill>
+          <a:prstDash val="solid"/>
+        </a:ln>
+        <a:ln w="25400" cap="flat" cmpd="sng" algn="ctr">
+          <a:solidFill>
+            <a:schemeClr val="phClr"/>
+          </a:solidFill>
+          <a:prstDash val="solid"/>
+        </a:ln>
+        <a:ln w="38100" cap="flat" cmpd="sng" algn="ctr">
+          <a:solidFill>
+            <a:schemeClr val="phClr"/>
+          </a:solidFill>
+          <a:prstDash val="solid"/>
+        </a:ln>
+      </a:lnStyleLst>
+      <a:effectStyleLst>
+        <a:effectStyle>
+          <a:effectLst>
+            <a:outerShdw blurRad="40000" dist="20000" dir="5400000" rotWithShape="0">
+              <a:srgbClr val="000000">
+                <a:alpha val="38000"/>
+              </a:srgbClr>
+            </a:outerShdw>
+          </a:effectLst>
+        </a:effectStyle>
+        <a:effectStyle>
+          <a:effectLst>
+            <a:outerShdw blurRad="40000" dist="23000" dir="5400000" rotWithShape="0">
+              <a:srgbClr val="000000">
+                <a:alpha val="35000"/>
+              </a:srgbClr>
+            </a:outerShdw>
+          </a:effectLst>
+        </a:effectStyle>
+        <a:effectStyle>
+          <a:effectLst>
+            <a:outerShdw blurRad="40000" dist="23000" dir="5400000" rotWithShape="0">
+              <a:srgbClr val="000000">
+                <a:alpha val="35000"/>
+              </a:srgbClr>
+            </a:outerShdw>
+          </a:effectLst>
+          <a:scene3d>
+            <a:camera prst="orthographicFront">
+              <a:rot lat="0" lon="0" rev="0"/>
+            </a:camera>
+            <a:lightRig rig="threePt" dir="t">
+              <a:rot lat="0" lon="0" rev="1200000"/>
+            </a:lightRig>
+          </a:scene3d>
+          <a:sp3d>
+            <a:bevelT w="63500" h="25400"/>
+          </a:sp3d>
+        </a:effectStyle>
+      </a:effectStyleLst>
+      <a:bgFillStyleLst>
+        <a:solidFill>
+          <a:schemeClr val="phClr"/>
+        </a:solidFill>
+        <a:gradFill rotWithShape="1">
+          <a:gsLst>
+            <a:gs pos="0">
+              <a:schemeClr val="phClr">
+                <a:tint val="40000"/>
+                <a:satMod val="350000"/>
+              </a:schemeClr>
+            </a:gs>
+            <a:gs pos="40000">
+              <a:schemeClr val="phClr">
+                <a:tint val="45000"/>
+                <a:shade val="99000"/>
+                <a:satMod val="350000"/>
+              </a:schemeClr>
+            </a:gs>
+            <a:gs pos="100000">
+              <a:schemeClr val="phClr">
+                <a:shade val="20000"/>
+                <a:satMod val="255000"/>
+              </a:schemeClr>
+            </a:gs>
+          </a:gsLst>
+          <a:path path="circle">
+            <a:fillToRect l="50000" t="-80000" r="50000" b="180000"/>
+          </a:path>
+        </a:gradFill>
+        <a:gradFill rotWithShape="1">
+          <a:gsLst>
+            <a:gs pos="0">
+              <a:schemeClr val="phClr">
+                <a:tint val="80000"/>
+                <a:satMod val="300000"/>
+              </a:schemeClr>
+            </a:gs>
+            <a:gs pos="100000">
+              <a:schemeClr val="phClr">
+                <a:shade val="30000"/>
+                <a:satMod val="200000"/>
+              </a:schemeClr>
+            </a:gs>
+          </a:gsLst>
+          <a:path path="circle">
+            <a:fillToRect l="50000" t="50000" r="50000" b="50000"/>
+          </a:path>
+        </a:gradFill>
+      </a:bgFillStyleLst>
+    </a:fmtScheme>
+  </a:themeElements>
+  <a:objectDefaults/>
+  <a:extraClrSchemeLst/>
+</a:theme>
 </file>
--- a/Sentimentanalyse mit Vader.pptx
+++ b/Sentimentanalyse mit Vader.pptx
@@ -5,7 +5,7 @@
     <p:sldMasterId id="2147483648" r:id="rId1"/>
   </p:sldMasterIdLst>
   <p:notesMasterIdLst>
-    <p:notesMasterId r:id="rId16"/>
+    <p:notesMasterId r:id="rId18"/>
   </p:notesMasterIdLst>
   <p:sldIdLst>
     <p:sldId id="256" r:id="rId2"/>
@@ -20,8 +20,10 @@
     <p:sldId id="267" r:id="rId11"/>
     <p:sldId id="268" r:id="rId12"/>
     <p:sldId id="269" r:id="rId13"/>
-    <p:sldId id="266" r:id="rId14"/>
-    <p:sldId id="270" r:id="rId15"/>
+    <p:sldId id="272" r:id="rId14"/>
+    <p:sldId id="266" r:id="rId15"/>
+    <p:sldId id="270" r:id="rId16"/>
+    <p:sldId id="271" r:id="rId17"/>
   </p:sldIdLst>
   <p:sldSz cx="9144000" cy="6858000" type="screen4x3"/>
   <p:notesSz cx="6858000" cy="9144000"/>
@@ -205,7 +207,8 @@
           <a:p>
             <a:fld id="{5716D4E3-C7EF-47C8-B683-D194A68FAD92}" type="datetimeFigureOut">
               <a:rPr lang="de-DE" smtClean="0"/>
-              <a:t>07.02.2021</a:t>
+              <a:pPr/>
+              <a:t>08.02.2021</a:t>
             </a:fld>
             <a:endParaRPr lang="de-DE"/>
           </a:p>
@@ -366,6 +369,7 @@
           <a:p>
             <a:fld id="{9E61EB1D-33CE-4DD7-895A-65DAB7B4566C}" type="slidenum">
               <a:rPr lang="de-DE" smtClean="0"/>
+              <a:pPr/>
               <a:t>‹Nr.›</a:t>
             </a:fld>
             <a:endParaRPr lang="de-DE"/>
@@ -541,7 +545,90 @@
           <a:p>
             <a:fld id="{9E61EB1D-33CE-4DD7-895A-65DAB7B4566C}" type="slidenum">
               <a:rPr lang="de-DE" smtClean="0"/>
-              <a:t>14</a:t>
+              <a:pPr/>
+              <a:t>15</a:t>
+            </a:fld>
+            <a:endParaRPr lang="de-DE"/>
+          </a:p>
+        </p:txBody>
+      </p:sp>
+    </p:spTree>
+  </p:cSld>
+  <p:clrMapOvr>
+    <a:masterClrMapping/>
+  </p:clrMapOvr>
+</p:notes>
+</file>
+
+<file path=ppt/notesSlides/notesSlide2.xml><?xml version="1.0" encoding="utf-8"?>
+<p:notes xmlns:a="http://schemas.openxmlformats.org/drawingml/2006/main" xmlns:r="http://schemas.openxmlformats.org/officeDocument/2006/relationships" xmlns:p="http://schemas.openxmlformats.org/presentationml/2006/main">
+  <p:cSld>
+    <p:spTree>
+      <p:nvGrpSpPr>
+        <p:cNvPr id="1" name=""/>
+        <p:cNvGrpSpPr/>
+        <p:nvPr/>
+      </p:nvGrpSpPr>
+      <p:grpSpPr>
+        <a:xfrm>
+          <a:off x="0" y="0"/>
+          <a:ext cx="0" cy="0"/>
+          <a:chOff x="0" y="0"/>
+          <a:chExt cx="0" cy="0"/>
+        </a:xfrm>
+      </p:grpSpPr>
+      <p:sp>
+        <p:nvSpPr>
+          <p:cNvPr id="2" name="Folienbildplatzhalter 1"/>
+          <p:cNvSpPr>
+            <a:spLocks noGrp="1" noRot="1" noChangeAspect="1"/>
+          </p:cNvSpPr>
+          <p:nvPr>
+            <p:ph type="sldImg"/>
+          </p:nvPr>
+        </p:nvSpPr>
+        <p:spPr/>
+      </p:sp>
+      <p:sp>
+        <p:nvSpPr>
+          <p:cNvPr id="3" name="Notizenplatzhalter 2"/>
+          <p:cNvSpPr>
+            <a:spLocks noGrp="1"/>
+          </p:cNvSpPr>
+          <p:nvPr>
+            <p:ph type="body" idx="1"/>
+          </p:nvPr>
+        </p:nvSpPr>
+        <p:spPr/>
+        <p:txBody>
+          <a:bodyPr>
+            <a:normAutofit/>
+          </a:bodyPr>
+          <a:lstStyle/>
+          <a:p>
+            <a:endParaRPr lang="de-DE" dirty="0" smtClean="0"/>
+          </a:p>
+        </p:txBody>
+      </p:sp>
+      <p:sp>
+        <p:nvSpPr>
+          <p:cNvPr id="4" name="Foliennummernplatzhalter 3"/>
+          <p:cNvSpPr>
+            <a:spLocks noGrp="1"/>
+          </p:cNvSpPr>
+          <p:nvPr>
+            <p:ph type="sldNum" sz="quarter" idx="10"/>
+          </p:nvPr>
+        </p:nvSpPr>
+        <p:spPr/>
+        <p:txBody>
+          <a:bodyPr/>
+          <a:lstStyle/>
+          <a:p>
+            <a:fld id="{9E61EB1D-33CE-4DD7-895A-65DAB7B4566C}" type="slidenum">
+              <a:rPr lang="de-DE" smtClean="0"/>
+              <a:pPr/>
+              <a:t>16</a:t>
             </a:fld>
             <a:endParaRPr lang="de-DE"/>
           </a:p>
@@ -736,7 +823,8 @@
           <a:p>
             <a:fld id="{314E39FA-A51D-42AB-8C01-42A7D9237472}" type="datetimeFigureOut">
               <a:rPr lang="de-DE" smtClean="0"/>
-              <a:t>07.02.2021</a:t>
+              <a:pPr/>
+              <a:t>08.02.2021</a:t>
             </a:fld>
             <a:endParaRPr lang="de-DE"/>
           </a:p>
@@ -778,6 +866,7 @@
           <a:p>
             <a:fld id="{C1E2E366-10AC-47A6-8EEF-60D8ABB2FA6F}" type="slidenum">
               <a:rPr lang="de-DE" smtClean="0"/>
+              <a:pPr/>
               <a:t>‹Nr.›</a:t>
             </a:fld>
             <a:endParaRPr lang="de-DE"/>
@@ -901,7 +990,8 @@
           <a:p>
             <a:fld id="{314E39FA-A51D-42AB-8C01-42A7D9237472}" type="datetimeFigureOut">
               <a:rPr lang="de-DE" smtClean="0"/>
-              <a:t>07.02.2021</a:t>
+              <a:pPr/>
+              <a:t>08.02.2021</a:t>
             </a:fld>
             <a:endParaRPr lang="de-DE"/>
           </a:p>
@@ -943,6 +1033,7 @@
           <a:p>
             <a:fld id="{C1E2E366-10AC-47A6-8EEF-60D8ABB2FA6F}" type="slidenum">
               <a:rPr lang="de-DE" smtClean="0"/>
+              <a:pPr/>
               <a:t>‹Nr.›</a:t>
             </a:fld>
             <a:endParaRPr lang="de-DE"/>
@@ -1076,7 +1167,8 @@
           <a:p>
             <a:fld id="{314E39FA-A51D-42AB-8C01-42A7D9237472}" type="datetimeFigureOut">
               <a:rPr lang="de-DE" smtClean="0"/>
-              <a:t>07.02.2021</a:t>
+              <a:pPr/>
+              <a:t>08.02.2021</a:t>
             </a:fld>
             <a:endParaRPr lang="de-DE"/>
           </a:p>
@@ -1118,6 +1210,7 @@
           <a:p>
             <a:fld id="{C1E2E366-10AC-47A6-8EEF-60D8ABB2FA6F}" type="slidenum">
               <a:rPr lang="de-DE" smtClean="0"/>
+              <a:pPr/>
               <a:t>‹Nr.›</a:t>
             </a:fld>
             <a:endParaRPr lang="de-DE"/>
@@ -1241,7 +1334,8 @@
           <a:p>
             <a:fld id="{314E39FA-A51D-42AB-8C01-42A7D9237472}" type="datetimeFigureOut">
               <a:rPr lang="de-DE" smtClean="0"/>
-              <a:t>07.02.2021</a:t>
+              <a:pPr/>
+              <a:t>08.02.2021</a:t>
             </a:fld>
             <a:endParaRPr lang="de-DE"/>
           </a:p>
@@ -1283,6 +1377,7 @@
           <a:p>
             <a:fld id="{C1E2E366-10AC-47A6-8EEF-60D8ABB2FA6F}" type="slidenum">
               <a:rPr lang="de-DE" smtClean="0"/>
+              <a:pPr/>
               <a:t>‹Nr.›</a:t>
             </a:fld>
             <a:endParaRPr lang="de-DE"/>
@@ -1482,7 +1577,8 @@
           <a:p>
             <a:fld id="{314E39FA-A51D-42AB-8C01-42A7D9237472}" type="datetimeFigureOut">
               <a:rPr lang="de-DE" smtClean="0"/>
-              <a:t>07.02.2021</a:t>
+              <a:pPr/>
+              <a:t>08.02.2021</a:t>
             </a:fld>
             <a:endParaRPr lang="de-DE"/>
           </a:p>
@@ -1524,6 +1620,7 @@
           <a:p>
             <a:fld id="{C1E2E366-10AC-47A6-8EEF-60D8ABB2FA6F}" type="slidenum">
               <a:rPr lang="de-DE" smtClean="0"/>
+              <a:pPr/>
               <a:t>‹Nr.›</a:t>
             </a:fld>
             <a:endParaRPr lang="de-DE"/>
@@ -1765,7 +1862,8 @@
           <a:p>
             <a:fld id="{314E39FA-A51D-42AB-8C01-42A7D9237472}" type="datetimeFigureOut">
               <a:rPr lang="de-DE" smtClean="0"/>
-              <a:t>07.02.2021</a:t>
+              <a:pPr/>
+              <a:t>08.02.2021</a:t>
             </a:fld>
             <a:endParaRPr lang="de-DE"/>
           </a:p>
@@ -1807,6 +1905,7 @@
           <a:p>
             <a:fld id="{C1E2E366-10AC-47A6-8EEF-60D8ABB2FA6F}" type="slidenum">
               <a:rPr lang="de-DE" smtClean="0"/>
+              <a:pPr/>
               <a:t>‹Nr.›</a:t>
             </a:fld>
             <a:endParaRPr lang="de-DE"/>
@@ -2182,7 +2281,8 @@
           <a:p>
             <a:fld id="{314E39FA-A51D-42AB-8C01-42A7D9237472}" type="datetimeFigureOut">
               <a:rPr lang="de-DE" smtClean="0"/>
-              <a:t>07.02.2021</a:t>
+              <a:pPr/>
+              <a:t>08.02.2021</a:t>
             </a:fld>
             <a:endParaRPr lang="de-DE"/>
           </a:p>
@@ -2224,6 +2324,7 @@
           <a:p>
             <a:fld id="{C1E2E366-10AC-47A6-8EEF-60D8ABB2FA6F}" type="slidenum">
               <a:rPr lang="de-DE" smtClean="0"/>
+              <a:pPr/>
               <a:t>‹Nr.›</a:t>
             </a:fld>
             <a:endParaRPr lang="de-DE"/>
@@ -2295,7 +2396,8 @@
           <a:p>
             <a:fld id="{314E39FA-A51D-42AB-8C01-42A7D9237472}" type="datetimeFigureOut">
               <a:rPr lang="de-DE" smtClean="0"/>
-              <a:t>07.02.2021</a:t>
+              <a:pPr/>
+              <a:t>08.02.2021</a:t>
             </a:fld>
             <a:endParaRPr lang="de-DE"/>
           </a:p>
@@ -2337,6 +2439,7 @@
           <a:p>
             <a:fld id="{C1E2E366-10AC-47A6-8EEF-60D8ABB2FA6F}" type="slidenum">
               <a:rPr lang="de-DE" smtClean="0"/>
+              <a:pPr/>
               <a:t>‹Nr.›</a:t>
             </a:fld>
             <a:endParaRPr lang="de-DE"/>
@@ -2385,7 +2488,8 @@
           <a:p>
             <a:fld id="{314E39FA-A51D-42AB-8C01-42A7D9237472}" type="datetimeFigureOut">
               <a:rPr lang="de-DE" smtClean="0"/>
-              <a:t>07.02.2021</a:t>
+              <a:pPr/>
+              <a:t>08.02.2021</a:t>
             </a:fld>
             <a:endParaRPr lang="de-DE"/>
           </a:p>
@@ -2427,6 +2531,7 @@
           <a:p>
             <a:fld id="{C1E2E366-10AC-47A6-8EEF-60D8ABB2FA6F}" type="slidenum">
               <a:rPr lang="de-DE" smtClean="0"/>
+              <a:pPr/>
               <a:t>‹Nr.›</a:t>
             </a:fld>
             <a:endParaRPr lang="de-DE"/>
@@ -2657,7 +2762,8 @@
           <a:p>
             <a:fld id="{314E39FA-A51D-42AB-8C01-42A7D9237472}" type="datetimeFigureOut">
               <a:rPr lang="de-DE" smtClean="0"/>
-              <a:t>07.02.2021</a:t>
+              <a:pPr/>
+              <a:t>08.02.2021</a:t>
             </a:fld>
             <a:endParaRPr lang="de-DE"/>
           </a:p>
@@ -2699,6 +2805,7 @@
           <a:p>
             <a:fld id="{C1E2E366-10AC-47A6-8EEF-60D8ABB2FA6F}" type="slidenum">
               <a:rPr lang="de-DE" smtClean="0"/>
+              <a:pPr/>
               <a:t>‹Nr.›</a:t>
             </a:fld>
             <a:endParaRPr lang="de-DE"/>
@@ -2905,7 +3012,8 @@
           <a:p>
             <a:fld id="{314E39FA-A51D-42AB-8C01-42A7D9237472}" type="datetimeFigureOut">
               <a:rPr lang="de-DE" smtClean="0"/>
-              <a:t>07.02.2021</a:t>
+              <a:pPr/>
+              <a:t>08.02.2021</a:t>
             </a:fld>
             <a:endParaRPr lang="de-DE"/>
           </a:p>
@@ -2947,6 +3055,7 @@
           <a:p>
             <a:fld id="{C1E2E366-10AC-47A6-8EEF-60D8ABB2FA6F}" type="slidenum">
               <a:rPr lang="de-DE" smtClean="0"/>
+              <a:pPr/>
               <a:t>‹Nr.›</a:t>
             </a:fld>
             <a:endParaRPr lang="de-DE"/>
@@ -3113,7 +3222,8 @@
           <a:p>
             <a:fld id="{314E39FA-A51D-42AB-8C01-42A7D9237472}" type="datetimeFigureOut">
               <a:rPr lang="de-DE" smtClean="0"/>
-              <a:t>07.02.2021</a:t>
+              <a:pPr/>
+              <a:t>08.02.2021</a:t>
             </a:fld>
             <a:endParaRPr lang="de-DE"/>
           </a:p>
@@ -3191,6 +3301,7 @@
           <a:p>
             <a:fld id="{C1E2E366-10AC-47A6-8EEF-60D8ABB2FA6F}" type="slidenum">
               <a:rPr lang="de-DE" smtClean="0"/>
+              <a:pPr/>
               <a:t>‹Nr.›</a:t>
             </a:fld>
             <a:endParaRPr lang="de-DE"/>
@@ -3598,7 +3709,15 @@
           <a:p>
             <a:r>
               <a:rPr lang="de-DE" dirty="0" smtClean="0"/>
-              <a:t>Sentiment der #</a:t>
+              <a:t>Sentiment der #(</a:t>
+            </a:r>
+            <a:r>
+              <a:rPr lang="de-DE" dirty="0" err="1" smtClean="0"/>
+              <a:t>compound</a:t>
+            </a:r>
+            <a:r>
+              <a:rPr lang="de-DE" dirty="0" smtClean="0"/>
+              <a:t>)</a:t>
             </a:r>
             <a:endParaRPr lang="de-DE" dirty="0"/>
           </a:p>
@@ -3680,7 +3799,15 @@
             </a:r>
             <a:r>
               <a:rPr lang="de-DE" dirty="0" smtClean="0"/>
-              <a:t> Sentiment</a:t>
+              <a:t> Sentiment (</a:t>
+            </a:r>
+            <a:r>
+              <a:rPr lang="de-DE" dirty="0" err="1" smtClean="0"/>
+              <a:t>compound</a:t>
+            </a:r>
+            <a:r>
+              <a:rPr lang="de-DE" dirty="0" smtClean="0"/>
+              <a:t>)</a:t>
             </a:r>
             <a:endParaRPr lang="de-DE" dirty="0"/>
           </a:p>
@@ -3838,73 +3965,37 @@
               <a:rPr lang="de-DE" dirty="0" err="1" smtClean="0"/>
               <a:t>Heatmap</a:t>
             </a:r>
+            <a:r>
+              <a:rPr lang="de-DE" dirty="0" smtClean="0"/>
+              <a:t> Platzhalter</a:t>
+            </a:r>
             <a:endParaRPr lang="de-DE" dirty="0"/>
           </a:p>
         </p:txBody>
       </p:sp>
-      <p:sp>
-        <p:nvSpPr>
-          <p:cNvPr id="3" name="Inhaltsplatzhalter 2"/>
-          <p:cNvSpPr>
-            <a:spLocks noGrp="1"/>
-          </p:cNvSpPr>
-          <p:nvPr>
-            <p:ph idx="1"/>
-          </p:nvPr>
-        </p:nvSpPr>
-        <p:spPr/>
-        <p:txBody>
-          <a:bodyPr/>
-          <a:lstStyle/>
-          <a:p>
-            <a:r>
-              <a:rPr lang="de-DE" dirty="0" smtClean="0"/>
-              <a:t>Jeder </a:t>
-            </a:r>
-            <a:r>
-              <a:rPr lang="de-DE" dirty="0" err="1" smtClean="0"/>
-              <a:t>Tweet</a:t>
-            </a:r>
-            <a:r>
-              <a:rPr lang="de-DE" dirty="0" smtClean="0"/>
-              <a:t> wurde für jeden # gewertet, kann also sowohl beispielsweise bei #</a:t>
-            </a:r>
-            <a:r>
-              <a:rPr lang="de-DE" dirty="0" err="1" smtClean="0"/>
-              <a:t>CapitolRiot</a:t>
-            </a:r>
-            <a:r>
-              <a:rPr lang="de-DE" dirty="0" smtClean="0"/>
-              <a:t> und #</a:t>
-            </a:r>
-            <a:r>
-              <a:rPr lang="de-DE" dirty="0" err="1" smtClean="0"/>
-              <a:t>Couptattempt</a:t>
-            </a:r>
-            <a:r>
-              <a:rPr lang="de-DE" dirty="0" smtClean="0"/>
-              <a:t> auftauchen, da </a:t>
-            </a:r>
-            <a:r>
-              <a:rPr lang="de-DE" dirty="0" err="1" smtClean="0"/>
-              <a:t>Twitter</a:t>
-            </a:r>
-            <a:r>
-              <a:rPr lang="de-DE" dirty="0" smtClean="0"/>
-              <a:t> mehrere #´s pro </a:t>
-            </a:r>
-            <a:r>
-              <a:rPr lang="de-DE" dirty="0" err="1" smtClean="0"/>
-              <a:t>Tweet</a:t>
-            </a:r>
-            <a:r>
-              <a:rPr lang="de-DE" dirty="0" smtClean="0"/>
-              <a:t> zulässt</a:t>
-            </a:r>
-            <a:endParaRPr lang="de-DE" dirty="0"/>
-          </a:p>
-        </p:txBody>
-      </p:sp>
+      <p:pic>
+        <p:nvPicPr>
+          <p:cNvPr id="11" name="Inhaltsplatzhalter 10" descr="TweecountHeatmap.png"/>
+          <p:cNvPicPr>
+            <a:picLocks noGrp="1" noChangeAspect="1"/>
+          </p:cNvPicPr>
+          <p:nvPr>
+            <p:ph sz="half" idx="2"/>
+          </p:nvPr>
+        </p:nvPicPr>
+        <p:blipFill>
+          <a:blip r:embed="rId2" cstate="print"/>
+          <a:stretch>
+            <a:fillRect/>
+          </a:stretch>
+        </p:blipFill>
+        <p:spPr>
+          <a:xfrm>
+            <a:off x="0" y="1916832"/>
+            <a:ext cx="9144000" cy="4941167"/>
+          </a:xfrm>
+        </p:spPr>
+      </p:pic>
     </p:spTree>
   </p:cSld>
   <p:clrMapOvr>
@@ -3953,13 +4044,131 @@
           <a:lstStyle/>
           <a:p>
             <a:r>
-              <a:rPr lang="de-DE" dirty="0" smtClean="0"/>
-              <a:t>Schwächen von </a:t>
-            </a:r>
+              <a:rPr lang="de-DE" dirty="0" err="1" smtClean="0"/>
+              <a:t>Heatmap</a:t>
+            </a:r>
+            <a:endParaRPr lang="de-DE" dirty="0"/>
+          </a:p>
+        </p:txBody>
+      </p:sp>
+      <p:sp>
+        <p:nvSpPr>
+          <p:cNvPr id="3" name="Inhaltsplatzhalter 2"/>
+          <p:cNvSpPr>
+            <a:spLocks noGrp="1"/>
+          </p:cNvSpPr>
+          <p:nvPr>
+            <p:ph idx="1"/>
+          </p:nvPr>
+        </p:nvSpPr>
+        <p:spPr/>
+        <p:txBody>
+          <a:bodyPr/>
+          <a:lstStyle/>
+          <a:p>
+            <a:r>
+              <a:rPr lang="de-DE" dirty="0" smtClean="0"/>
+              <a:t>Jeder </a:t>
+            </a:r>
+            <a:r>
+              <a:rPr lang="de-DE" dirty="0" err="1" smtClean="0"/>
+              <a:t>Tweet</a:t>
+            </a:r>
+            <a:r>
+              <a:rPr lang="de-DE" dirty="0" smtClean="0"/>
+              <a:t> wurde für jeden # gewertet, kann also sowohl beispielsweise bei #</a:t>
+            </a:r>
+            <a:r>
+              <a:rPr lang="de-DE" dirty="0" err="1" smtClean="0"/>
+              <a:t>CapitolRiot</a:t>
+            </a:r>
+            <a:r>
+              <a:rPr lang="de-DE" dirty="0" smtClean="0"/>
+              <a:t> und #</a:t>
+            </a:r>
+            <a:r>
+              <a:rPr lang="de-DE" dirty="0" err="1" smtClean="0"/>
+              <a:t>Couptattempt</a:t>
+            </a:r>
+            <a:r>
+              <a:rPr lang="de-DE" dirty="0" smtClean="0"/>
+              <a:t> auftauchen, da </a:t>
+            </a:r>
+            <a:r>
+              <a:rPr lang="de-DE" dirty="0" err="1" smtClean="0"/>
+              <a:t>Twitter</a:t>
+            </a:r>
+            <a:r>
+              <a:rPr lang="de-DE" dirty="0" smtClean="0"/>
+              <a:t> mehrere #´s pro </a:t>
+            </a:r>
+            <a:r>
+              <a:rPr lang="de-DE" dirty="0" err="1" smtClean="0"/>
+              <a:t>Tweet</a:t>
+            </a:r>
+            <a:r>
+              <a:rPr lang="de-DE" dirty="0" smtClean="0"/>
+              <a:t> zulässt</a:t>
+            </a:r>
+            <a:endParaRPr lang="de-DE" dirty="0"/>
+          </a:p>
+        </p:txBody>
+      </p:sp>
+    </p:spTree>
+  </p:cSld>
+  <p:clrMapOvr>
+    <a:masterClrMapping/>
+  </p:clrMapOvr>
+  <p:timing>
+    <p:tnLst>
+      <p:par>
+        <p:cTn id="1" dur="indefinite" restart="never" nodeType="tmRoot"/>
+      </p:par>
+    </p:tnLst>
+  </p:timing>
+</p:sld>
+</file>
+
+<file path=ppt/slides/slide15.xml><?xml version="1.0" encoding="utf-8"?>
+<p:sld xmlns:a="http://schemas.openxmlformats.org/drawingml/2006/main" xmlns:r="http://schemas.openxmlformats.org/officeDocument/2006/relationships" xmlns:p="http://schemas.openxmlformats.org/presentationml/2006/main">
+  <p:cSld>
+    <p:spTree>
+      <p:nvGrpSpPr>
+        <p:cNvPr id="1" name=""/>
+        <p:cNvGrpSpPr/>
+        <p:nvPr/>
+      </p:nvGrpSpPr>
+      <p:grpSpPr>
+        <a:xfrm>
+          <a:off x="0" y="0"/>
+          <a:ext cx="0" cy="0"/>
+          <a:chOff x="0" y="0"/>
+          <a:chExt cx="0" cy="0"/>
+        </a:xfrm>
+      </p:grpSpPr>
+      <p:sp>
+        <p:nvSpPr>
+          <p:cNvPr id="2" name="Titel 1"/>
+          <p:cNvSpPr>
+            <a:spLocks noGrp="1"/>
+          </p:cNvSpPr>
+          <p:nvPr>
+            <p:ph type="title"/>
+          </p:nvPr>
+        </p:nvSpPr>
+        <p:spPr/>
+        <p:txBody>
+          <a:bodyPr/>
+          <a:lstStyle/>
+          <a:p>
             <a:r>
               <a:rPr lang="de-DE" dirty="0" err="1" smtClean="0"/>
               <a:t>Vader</a:t>
             </a:r>
+            <a:r>
+              <a:rPr lang="de-DE" dirty="0" smtClean="0"/>
+              <a:t> im Vergleich</a:t>
+            </a:r>
             <a:endParaRPr lang="de-DE" dirty="0"/>
           </a:p>
         </p:txBody>
@@ -3982,6 +4191,18 @@
             <a:r>
               <a:rPr lang="de-DE" dirty="0" smtClean="0"/>
               <a:t>Im Vergleich mit </a:t>
+            </a:r>
+            <a:r>
+              <a:rPr lang="de-DE" dirty="0" smtClean="0"/>
+              <a:t>anderen </a:t>
+            </a:r>
+            <a:r>
+              <a:rPr lang="de-DE" dirty="0" err="1" smtClean="0"/>
+              <a:t>unsupervised</a:t>
+            </a:r>
+            <a:r>
+              <a:rPr lang="de-DE" dirty="0" smtClean="0"/>
+              <a:t> Tools wie </a:t>
             </a:r>
             <a:r>
               <a:rPr lang="de-DE" dirty="0" err="1" smtClean="0"/>
@@ -3989,7 +4210,11 @@
             </a:r>
             <a:r>
               <a:rPr lang="de-DE" dirty="0" smtClean="0"/>
-              <a:t> und Watson neigt </a:t>
+              <a:t> </a:t>
+            </a:r>
+            <a:r>
+              <a:rPr lang="de-DE" dirty="0" smtClean="0"/>
+              <a:t>und Watson neigt </a:t>
             </a:r>
             <a:r>
               <a:rPr lang="de-DE" dirty="0" err="1" smtClean="0"/>
@@ -4021,8 +4246,8 @@
         </p:blipFill>
         <p:spPr>
           <a:xfrm>
-            <a:off x="539552" y="3068960"/>
-            <a:ext cx="8064896" cy="3312368"/>
+            <a:off x="539552" y="3645024"/>
+            <a:ext cx="8064896" cy="2736304"/>
           </a:xfrm>
           <a:prstGeom prst="rect">
             <a:avLst/>
@@ -4041,6 +4266,222 @@
       </p:par>
     </p:tnLst>
   </p:timing>
+</p:sld>
+</file>
+
+<file path=ppt/slides/slide16.xml><?xml version="1.0" encoding="utf-8"?>
+<p:sld xmlns:a="http://schemas.openxmlformats.org/drawingml/2006/main" xmlns:r="http://schemas.openxmlformats.org/officeDocument/2006/relationships" xmlns:p="http://schemas.openxmlformats.org/presentationml/2006/main">
+  <p:cSld>
+    <p:spTree>
+      <p:nvGrpSpPr>
+        <p:cNvPr id="1" name=""/>
+        <p:cNvGrpSpPr/>
+        <p:nvPr/>
+      </p:nvGrpSpPr>
+      <p:grpSpPr>
+        <a:xfrm>
+          <a:off x="0" y="0"/>
+          <a:ext cx="0" cy="0"/>
+          <a:chOff x="0" y="0"/>
+          <a:chExt cx="0" cy="0"/>
+        </a:xfrm>
+      </p:grpSpPr>
+      <p:sp>
+        <p:nvSpPr>
+          <p:cNvPr id="2" name="Titel 1"/>
+          <p:cNvSpPr>
+            <a:spLocks noGrp="1"/>
+          </p:cNvSpPr>
+          <p:nvPr>
+            <p:ph type="title"/>
+          </p:nvPr>
+        </p:nvSpPr>
+        <p:spPr/>
+        <p:txBody>
+          <a:bodyPr/>
+          <a:lstStyle/>
+          <a:p>
+            <a:r>
+              <a:rPr lang="de-DE" dirty="0" smtClean="0"/>
+              <a:t>Verwendete </a:t>
+            </a:r>
+            <a:r>
+              <a:rPr lang="de-DE" dirty="0" smtClean="0"/>
+              <a:t>Tools</a:t>
+            </a:r>
+            <a:endParaRPr lang="de-DE" dirty="0"/>
+          </a:p>
+        </p:txBody>
+      </p:sp>
+      <p:sp>
+        <p:nvSpPr>
+          <p:cNvPr id="3" name="Inhaltsplatzhalter 2"/>
+          <p:cNvSpPr>
+            <a:spLocks noGrp="1"/>
+          </p:cNvSpPr>
+          <p:nvPr>
+            <p:ph idx="1"/>
+          </p:nvPr>
+        </p:nvSpPr>
+        <p:spPr/>
+        <p:txBody>
+          <a:bodyPr>
+            <a:normAutofit fontScale="92500"/>
+          </a:bodyPr>
+          <a:lstStyle/>
+          <a:p>
+            <a:r>
+              <a:rPr lang="de-DE" dirty="0" smtClean="0"/>
+              <a:t>Für Python: </a:t>
+            </a:r>
+            <a:r>
+              <a:rPr lang="de-DE" dirty="0" err="1" smtClean="0"/>
+              <a:t>PyCharm</a:t>
+            </a:r>
+            <a:endParaRPr lang="de-DE" dirty="0" smtClean="0"/>
+          </a:p>
+          <a:p>
+            <a:pPr>
+              <a:buNone/>
+            </a:pPr>
+            <a:r>
+              <a:rPr lang="de-DE" dirty="0" smtClean="0">
+                <a:hlinkClick r:id="rId3"/>
+              </a:rPr>
+              <a:t>https://www.jetbrains.com/de-de/pycharm/</a:t>
+            </a:r>
+            <a:endParaRPr lang="de-DE" dirty="0" smtClean="0"/>
+          </a:p>
+          <a:p>
+            <a:r>
+              <a:rPr lang="de-DE" dirty="0" smtClean="0"/>
+              <a:t>Für </a:t>
+            </a:r>
+            <a:r>
+              <a:rPr lang="de-DE" dirty="0" smtClean="0"/>
+              <a:t>Java: </a:t>
+            </a:r>
+            <a:r>
+              <a:rPr lang="de-DE" dirty="0" err="1" smtClean="0"/>
+              <a:t>Eclipse</a:t>
+            </a:r>
+            <a:endParaRPr lang="de-DE" dirty="0" smtClean="0"/>
+          </a:p>
+          <a:p>
+            <a:pPr>
+              <a:buNone/>
+            </a:pPr>
+            <a:r>
+              <a:rPr lang="de-DE" dirty="0" smtClean="0">
+                <a:hlinkClick r:id="rId4"/>
+              </a:rPr>
+              <a:t>https://</a:t>
+            </a:r>
+            <a:r>
+              <a:rPr lang="de-DE" dirty="0" smtClean="0">
+                <a:hlinkClick r:id="rId4"/>
+              </a:rPr>
+              <a:t>www.eclipse.org</a:t>
+            </a:r>
+            <a:endParaRPr lang="de-DE" dirty="0" smtClean="0"/>
+          </a:p>
+          <a:p>
+            <a:r>
+              <a:rPr lang="de-DE" dirty="0" smtClean="0"/>
+              <a:t>Zum </a:t>
+            </a:r>
+            <a:r>
+              <a:rPr lang="de-DE" dirty="0" err="1" smtClean="0"/>
+              <a:t>scrappen</a:t>
+            </a:r>
+            <a:r>
+              <a:rPr lang="de-DE" dirty="0" smtClean="0"/>
+              <a:t>: </a:t>
+            </a:r>
+            <a:r>
+              <a:rPr lang="de-DE" dirty="0" err="1" smtClean="0"/>
+              <a:t>Snscrape</a:t>
+            </a:r>
+            <a:r>
+              <a:rPr lang="de-DE" dirty="0" smtClean="0"/>
+              <a:t> für </a:t>
+            </a:r>
+            <a:r>
+              <a:rPr lang="de-DE" dirty="0" smtClean="0"/>
+              <a:t>Python</a:t>
+            </a:r>
+          </a:p>
+          <a:p>
+            <a:pPr>
+              <a:buNone/>
+            </a:pPr>
+            <a:r>
+              <a:rPr lang="de-DE" dirty="0" smtClean="0">
+                <a:hlinkClick r:id="rId5"/>
+              </a:rPr>
+              <a:t>https://github.com/JustAnotherArchivist/snscrape</a:t>
+            </a:r>
+            <a:endParaRPr lang="de-DE" dirty="0" smtClean="0"/>
+          </a:p>
+          <a:p>
+            <a:r>
+              <a:rPr lang="de-DE" dirty="0" smtClean="0"/>
+              <a:t>Für </a:t>
+            </a:r>
+            <a:r>
+              <a:rPr lang="de-DE" dirty="0" smtClean="0"/>
+              <a:t>die Grafiken: </a:t>
+            </a:r>
+            <a:r>
+              <a:rPr lang="de-DE" dirty="0" err="1" smtClean="0"/>
+              <a:t>Xchart</a:t>
+            </a:r>
+            <a:r>
+              <a:rPr lang="de-DE" dirty="0" smtClean="0"/>
+              <a:t> für </a:t>
+            </a:r>
+            <a:r>
+              <a:rPr lang="de-DE" dirty="0" smtClean="0"/>
+              <a:t>Java</a:t>
+            </a:r>
+          </a:p>
+          <a:p>
+            <a:pPr>
+              <a:buNone/>
+            </a:pPr>
+            <a:r>
+              <a:rPr lang="de-DE" dirty="0" smtClean="0">
+                <a:hlinkClick r:id="rId6"/>
+              </a:rPr>
+              <a:t>https://</a:t>
+            </a:r>
+            <a:r>
+              <a:rPr lang="de-DE" dirty="0" smtClean="0">
+                <a:hlinkClick r:id="rId6"/>
+              </a:rPr>
+              <a:t>github.com/knowm/Xchart</a:t>
+            </a:r>
+            <a:endParaRPr lang="de-DE" dirty="0" smtClean="0"/>
+          </a:p>
+          <a:p>
+            <a:pPr>
+              <a:buNone/>
+            </a:pPr>
+            <a:endParaRPr lang="de-DE" dirty="0" smtClean="0"/>
+          </a:p>
+          <a:p>
+            <a:pPr>
+              <a:buNone/>
+            </a:pPr>
+            <a:endParaRPr lang="de-DE" dirty="0"/>
+          </a:p>
+        </p:txBody>
+      </p:sp>
+    </p:spTree>
+  </p:cSld>
+  <p:clrMapOvr>
+    <a:masterClrMapping/>
+  </p:clrMapOvr>
 </p:sld>
 </file>
 

--- a/Sentimentanalyse mit Vader.pptx
+++ b/Sentimentanalyse mit Vader.pptx
@@ -3962,12 +3962,8 @@
           <a:lstStyle/>
           <a:p>
             <a:r>
-              <a:rPr lang="de-DE" dirty="0" err="1" smtClean="0"/>
+              <a:rPr lang="de-DE" smtClean="0"/>
               <a:t>Heatmap</a:t>
-            </a:r>
-            <a:r>
-              <a:rPr lang="de-DE" dirty="0" smtClean="0"/>
-              <a:t> Platzhalter</a:t>
             </a:r>
             <a:endParaRPr lang="de-DE" dirty="0"/>
           </a:p>
@@ -3975,7 +3971,7 @@
       </p:sp>
       <p:pic>
         <p:nvPicPr>
-          <p:cNvPr id="11" name="Inhaltsplatzhalter 10" descr="TweecountHeatmap.png"/>
+          <p:cNvPr id="5" name="Inhaltsplatzhalter 4" descr="heatmap.png"/>
           <p:cNvPicPr>
             <a:picLocks noGrp="1" noChangeAspect="1"/>
           </p:cNvPicPr>
@@ -3991,8 +3987,8 @@
         </p:blipFill>
         <p:spPr>
           <a:xfrm>
-            <a:off x="0" y="1916832"/>
-            <a:ext cx="9144000" cy="4941167"/>
+            <a:off x="0" y="1628800"/>
+            <a:ext cx="9144000" cy="5229200"/>
           </a:xfrm>
         </p:spPr>
       </p:pic>
@@ -4190,11 +4186,7 @@
           <a:p>
             <a:r>
               <a:rPr lang="de-DE" dirty="0" smtClean="0"/>
-              <a:t>Im Vergleich mit </a:t>
-            </a:r>
-            <a:r>
-              <a:rPr lang="de-DE" dirty="0" smtClean="0"/>
-              <a:t>anderen </a:t>
+              <a:t>Im Vergleich mit anderen </a:t>
             </a:r>
             <a:r>
               <a:rPr lang="de-DE" dirty="0" err="1" smtClean="0"/>
@@ -4210,11 +4202,7 @@
             </a:r>
             <a:r>
               <a:rPr lang="de-DE" dirty="0" smtClean="0"/>
-              <a:t> </a:t>
-            </a:r>
-            <a:r>
-              <a:rPr lang="de-DE" dirty="0" smtClean="0"/>
-              <a:t>und Watson neigt </a:t>
+              <a:t> und Watson neigt </a:t>
             </a:r>
             <a:r>
               <a:rPr lang="de-DE" dirty="0" err="1" smtClean="0"/>
@@ -4303,11 +4291,7 @@
           <a:p>
             <a:r>
               <a:rPr lang="de-DE" dirty="0" smtClean="0"/>
-              <a:t>Verwendete </a:t>
-            </a:r>
-            <a:r>
-              <a:rPr lang="de-DE" dirty="0" smtClean="0"/>
-              <a:t>Tools</a:t>
+              <a:t>Verwendete Tools</a:t>
             </a:r>
             <a:endParaRPr lang="de-DE" dirty="0"/>
           </a:p>
@@ -4355,11 +4339,7 @@
           <a:p>
             <a:r>
               <a:rPr lang="de-DE" dirty="0" smtClean="0"/>
-              <a:t>Für </a:t>
-            </a:r>
-            <a:r>
-              <a:rPr lang="de-DE" dirty="0" smtClean="0"/>
-              <a:t>Java: </a:t>
+              <a:t>Für Java: </a:t>
             </a:r>
             <a:r>
               <a:rPr lang="de-DE" dirty="0" err="1" smtClean="0"/>
@@ -4375,13 +4355,7 @@
               <a:rPr lang="de-DE" dirty="0" smtClean="0">
                 <a:hlinkClick r:id="rId4"/>
               </a:rPr>
-              <a:t>https://</a:t>
-            </a:r>
-            <a:r>
-              <a:rPr lang="de-DE" dirty="0" smtClean="0">
-                <a:hlinkClick r:id="rId4"/>
-              </a:rPr>
-              <a:t>www.eclipse.org</a:t>
+              <a:t>https://www.eclipse.org</a:t>
             </a:r>
             <a:endParaRPr lang="de-DE" dirty="0" smtClean="0"/>
           </a:p>
@@ -4404,11 +4378,7 @@
             </a:r>
             <a:r>
               <a:rPr lang="de-DE" dirty="0" smtClean="0"/>
-              <a:t> für </a:t>
-            </a:r>
-            <a:r>
-              <a:rPr lang="de-DE" dirty="0" smtClean="0"/>
-              <a:t>Python</a:t>
+              <a:t> für Python</a:t>
             </a:r>
           </a:p>
           <a:p>
@@ -4426,11 +4396,7 @@
           <a:p>
             <a:r>
               <a:rPr lang="de-DE" dirty="0" smtClean="0"/>
-              <a:t>Für </a:t>
-            </a:r>
-            <a:r>
-              <a:rPr lang="de-DE" dirty="0" smtClean="0"/>
-              <a:t>die Grafiken: </a:t>
+              <a:t>Für die Grafiken: </a:t>
             </a:r>
             <a:r>
               <a:rPr lang="de-DE" dirty="0" err="1" smtClean="0"/>
@@ -4438,11 +4404,7 @@
             </a:r>
             <a:r>
               <a:rPr lang="de-DE" dirty="0" smtClean="0"/>
-              <a:t> für </a:t>
-            </a:r>
-            <a:r>
-              <a:rPr lang="de-DE" dirty="0" smtClean="0"/>
-              <a:t>Java</a:t>
+              <a:t> für Java</a:t>
             </a:r>
           </a:p>
           <a:p>
@@ -4453,13 +4415,7 @@
               <a:rPr lang="de-DE" dirty="0" smtClean="0">
                 <a:hlinkClick r:id="rId6"/>
               </a:rPr>
-              <a:t>https://</a:t>
-            </a:r>
-            <a:r>
-              <a:rPr lang="de-DE" dirty="0" smtClean="0">
-                <a:hlinkClick r:id="rId6"/>
-              </a:rPr>
-              <a:t>github.com/knowm/Xchart</a:t>
+              <a:t>https://github.com/knowm/Xchart</a:t>
             </a:r>
             <a:endParaRPr lang="de-DE" dirty="0" smtClean="0"/>
           </a:p>
